--- a/documentation/travail_bachelor/ISC_LOG_poster_diplome_RodriguesDosSantosFabio_EggenbergNiklaus_2024.pptx
+++ b/documentation/travail_bachelor/ISC_LOG_poster_diplome_RodriguesDosSantosFabio_EggenbergNiklaus_2024.pptx
@@ -216,7 +216,7 @@
           <a:p>
             <a:fld id="{46C17754-5853-E642-A494-B712EA782523}" type="datetimeFigureOut">
               <a:rPr lang="fr-FR" smtClean="0"/>
-              <a:t>19/08/2024</a:t>
+              <a:t>20/08/2024</a:t>
             </a:fld>
             <a:endParaRPr lang="fr-FR"/>
           </a:p>
@@ -393,7 +393,7 @@
           <a:p>
             <a:fld id="{2D093DE3-EB4F-DD48-B8D6-678A564BF77A}" type="datetimeFigureOut">
               <a:rPr lang="fr-FR" smtClean="0"/>
-              <a:t>19/08/2024</a:t>
+              <a:t>20/08/2024</a:t>
             </a:fld>
             <a:endParaRPr lang="fr-FR"/>
           </a:p>
@@ -20169,7 +20169,7 @@
           <a:p>
             <a:fld id="{8739840A-2930-654E-B078-11D18D849FEC}" type="datetimeFigureOut">
               <a:rPr lang="fr-FR" smtClean="0"/>
-              <a:t>19/08/2024</a:t>
+              <a:t>20/08/2024</a:t>
             </a:fld>
             <a:endParaRPr lang="fr-FR"/>
           </a:p>
@@ -20751,7 +20751,7 @@
           <a:p>
             <a:fld id="{8739840A-2930-654E-B078-11D18D849FEC}" type="datetimeFigureOut">
               <a:rPr lang="fr-FR" smtClean="0"/>
-              <a:t>19/08/2024</a:t>
+              <a:t>20/08/2024</a:t>
             </a:fld>
             <a:endParaRPr lang="fr-FR"/>
           </a:p>
@@ -21466,7 +21466,7 @@
       </p:sp>
       <p:pic>
         <p:nvPicPr>
-          <p:cNvPr id="9" name="Image 8" descr="Une image contenant texte, capture d’écran, logiciel, Icône d’ordinateur&#10;&#10;Description générée automatiquement">
+          <p:cNvPr id="9" name="Image 8">
             <a:extLst>
               <a:ext uri="{FF2B5EF4-FFF2-40B4-BE49-F238E27FC236}">
                 <a16:creationId xmlns:a16="http://schemas.microsoft.com/office/drawing/2014/main" id="{C407D13D-1A47-C4E2-731D-040ABCAEC990}"/>
@@ -21480,18 +21480,20 @@
         </p:nvPicPr>
         <p:blipFill>
           <a:blip r:embed="rId3"/>
-          <a:stretch>
-            <a:fillRect/>
-          </a:stretch>
+          <a:srcRect/>
+          <a:stretch/>
         </p:blipFill>
         <p:spPr>
           <a:xfrm>
-            <a:off x="1585808" y="20993100"/>
-            <a:ext cx="12185870" cy="9919519"/>
+            <a:off x="1585808" y="20996540"/>
+            <a:ext cx="12185870" cy="9912639"/>
           </a:xfrm>
           <a:prstGeom prst="rect">
             <a:avLst/>
           </a:prstGeom>
+          <a:solidFill>
+            <a:schemeClr val="bg1"/>
+          </a:solidFill>
         </p:spPr>
       </p:pic>
       <p:pic>
